--- a/毕设图.pptx
+++ b/毕设图.pptx
@@ -7,6 +7,8 @@
   <p:sldIdLst>
     <p:sldId id="256" r:id="rId2"/>
     <p:sldId id="257" r:id="rId3"/>
+    <p:sldId id="258" r:id="rId4"/>
+    <p:sldId id="259" r:id="rId5"/>
   </p:sldIdLst>
   <p:sldSz cx="12192000" cy="6858000"/>
   <p:notesSz cx="6858000" cy="9144000"/>
@@ -105,6 +107,11 @@
       </a:defRPr>
     </a:lvl9pPr>
   </p:defaultTextStyle>
+  <p:extLst>
+    <p:ext uri="{EFAFB233-063F-42B5-8137-9DF3F51BA10A}">
+      <p15:sldGuideLst xmlns:p15="http://schemas.microsoft.com/office/powerpoint/2012/main"/>
+    </p:ext>
+  </p:extLst>
 </p:presentation>
 </file>
 
@@ -237,7 +244,7 @@
           <a:p>
             <a:fld id="{94D2E526-05CA-4874-9A62-B6EE4AF433C3}" type="datetimeFigureOut">
               <a:rPr lang="zh-CN" altLang="en-US" smtClean="0"/>
-              <a:t>2019/10/15</a:t>
+              <a:t>2019/10/21</a:t>
             </a:fld>
             <a:endParaRPr lang="zh-CN" altLang="en-US"/>
           </a:p>
@@ -405,7 +412,7 @@
           <a:p>
             <a:fld id="{94D2E526-05CA-4874-9A62-B6EE4AF433C3}" type="datetimeFigureOut">
               <a:rPr lang="zh-CN" altLang="en-US" smtClean="0"/>
-              <a:t>2019/10/15</a:t>
+              <a:t>2019/10/21</a:t>
             </a:fld>
             <a:endParaRPr lang="zh-CN" altLang="en-US"/>
           </a:p>
@@ -583,7 +590,7 @@
           <a:p>
             <a:fld id="{94D2E526-05CA-4874-9A62-B6EE4AF433C3}" type="datetimeFigureOut">
               <a:rPr lang="zh-CN" altLang="en-US" smtClean="0"/>
-              <a:t>2019/10/15</a:t>
+              <a:t>2019/10/21</a:t>
             </a:fld>
             <a:endParaRPr lang="zh-CN" altLang="en-US"/>
           </a:p>
@@ -751,7 +758,7 @@
           <a:p>
             <a:fld id="{94D2E526-05CA-4874-9A62-B6EE4AF433C3}" type="datetimeFigureOut">
               <a:rPr lang="zh-CN" altLang="en-US" smtClean="0"/>
-              <a:t>2019/10/15</a:t>
+              <a:t>2019/10/21</a:t>
             </a:fld>
             <a:endParaRPr lang="zh-CN" altLang="en-US"/>
           </a:p>
@@ -996,7 +1003,7 @@
           <a:p>
             <a:fld id="{94D2E526-05CA-4874-9A62-B6EE4AF433C3}" type="datetimeFigureOut">
               <a:rPr lang="zh-CN" altLang="en-US" smtClean="0"/>
-              <a:t>2019/10/15</a:t>
+              <a:t>2019/10/21</a:t>
             </a:fld>
             <a:endParaRPr lang="zh-CN" altLang="en-US"/>
           </a:p>
@@ -1225,7 +1232,7 @@
           <a:p>
             <a:fld id="{94D2E526-05CA-4874-9A62-B6EE4AF433C3}" type="datetimeFigureOut">
               <a:rPr lang="zh-CN" altLang="en-US" smtClean="0"/>
-              <a:t>2019/10/15</a:t>
+              <a:t>2019/10/21</a:t>
             </a:fld>
             <a:endParaRPr lang="zh-CN" altLang="en-US"/>
           </a:p>
@@ -1589,7 +1596,7 @@
           <a:p>
             <a:fld id="{94D2E526-05CA-4874-9A62-B6EE4AF433C3}" type="datetimeFigureOut">
               <a:rPr lang="zh-CN" altLang="en-US" smtClean="0"/>
-              <a:t>2019/10/15</a:t>
+              <a:t>2019/10/21</a:t>
             </a:fld>
             <a:endParaRPr lang="zh-CN" altLang="en-US"/>
           </a:p>
@@ -1706,7 +1713,7 @@
           <a:p>
             <a:fld id="{94D2E526-05CA-4874-9A62-B6EE4AF433C3}" type="datetimeFigureOut">
               <a:rPr lang="zh-CN" altLang="en-US" smtClean="0"/>
-              <a:t>2019/10/15</a:t>
+              <a:t>2019/10/21</a:t>
             </a:fld>
             <a:endParaRPr lang="zh-CN" altLang="en-US"/>
           </a:p>
@@ -1801,7 +1808,7 @@
           <a:p>
             <a:fld id="{94D2E526-05CA-4874-9A62-B6EE4AF433C3}" type="datetimeFigureOut">
               <a:rPr lang="zh-CN" altLang="en-US" smtClean="0"/>
-              <a:t>2019/10/15</a:t>
+              <a:t>2019/10/21</a:t>
             </a:fld>
             <a:endParaRPr lang="zh-CN" altLang="en-US"/>
           </a:p>
@@ -2076,7 +2083,7 @@
           <a:p>
             <a:fld id="{94D2E526-05CA-4874-9A62-B6EE4AF433C3}" type="datetimeFigureOut">
               <a:rPr lang="zh-CN" altLang="en-US" smtClean="0"/>
-              <a:t>2019/10/15</a:t>
+              <a:t>2019/10/21</a:t>
             </a:fld>
             <a:endParaRPr lang="zh-CN" altLang="en-US"/>
           </a:p>
@@ -2328,7 +2335,7 @@
           <a:p>
             <a:fld id="{94D2E526-05CA-4874-9A62-B6EE4AF433C3}" type="datetimeFigureOut">
               <a:rPr lang="zh-CN" altLang="en-US" smtClean="0"/>
-              <a:t>2019/10/15</a:t>
+              <a:t>2019/10/21</a:t>
             </a:fld>
             <a:endParaRPr lang="zh-CN" altLang="en-US"/>
           </a:p>
@@ -2539,7 +2546,7 @@
           <a:p>
             <a:fld id="{94D2E526-05CA-4874-9A62-B6EE4AF433C3}" type="datetimeFigureOut">
               <a:rPr lang="zh-CN" altLang="en-US" smtClean="0"/>
-              <a:t>2019/10/15</a:t>
+              <a:t>2019/10/21</a:t>
             </a:fld>
             <a:endParaRPr lang="zh-CN" altLang="en-US"/>
           </a:p>
@@ -7226,7 +7233,8 @@
             <a:solidFill>
               <a:schemeClr val="tx1"/>
             </a:solidFill>
-            <a:tailEnd type="triangle"/>
+            <a:headEnd type="none" w="med" len="med"/>
+            <a:tailEnd type="none" w="med" len="med"/>
           </a:ln>
         </p:spPr>
         <p:style>
@@ -7268,7 +7276,8 @@
             <a:solidFill>
               <a:schemeClr val="tx1"/>
             </a:solidFill>
-            <a:tailEnd type="triangle"/>
+            <a:headEnd type="none" w="med" len="med"/>
+            <a:tailEnd type="none" w="med" len="med"/>
           </a:ln>
         </p:spPr>
         <p:style>
@@ -7310,7 +7319,8 @@
             <a:solidFill>
               <a:schemeClr val="tx1"/>
             </a:solidFill>
-            <a:tailEnd type="triangle"/>
+            <a:headEnd type="none" w="med" len="med"/>
+            <a:tailEnd type="none" w="med" len="med"/>
           </a:ln>
         </p:spPr>
         <p:style>
@@ -7352,7 +7362,8 @@
             <a:solidFill>
               <a:schemeClr val="tx1"/>
             </a:solidFill>
-            <a:tailEnd type="triangle"/>
+            <a:headEnd type="none" w="med" len="med"/>
+            <a:tailEnd type="none" w="med" len="med"/>
           </a:ln>
         </p:spPr>
         <p:style>
@@ -7374,6 +7385,2123 @@
     <p:extLst>
       <p:ext uri="{BB962C8B-B14F-4D97-AF65-F5344CB8AC3E}">
         <p14:creationId xmlns:p14="http://schemas.microsoft.com/office/powerpoint/2010/main" val="4224542302"/>
+      </p:ext>
+    </p:extLst>
+  </p:cSld>
+  <p:clrMapOvr>
+    <a:masterClrMapping/>
+  </p:clrMapOvr>
+</p:sld>
+</file>
+
+<file path=ppt/slides/slide3.xml><?xml version="1.0" encoding="utf-8"?>
+<p:sld xmlns:a="http://schemas.openxmlformats.org/drawingml/2006/main" xmlns:r="http://schemas.openxmlformats.org/officeDocument/2006/relationships" xmlns:p="http://schemas.openxmlformats.org/presentationml/2006/main">
+  <p:cSld>
+    <p:spTree>
+      <p:nvGrpSpPr>
+        <p:cNvPr id="1" name=""/>
+        <p:cNvGrpSpPr/>
+        <p:nvPr/>
+      </p:nvGrpSpPr>
+      <p:grpSpPr>
+        <a:xfrm>
+          <a:off x="0" y="0"/>
+          <a:ext cx="0" cy="0"/>
+          <a:chOff x="0" y="0"/>
+          <a:chExt cx="0" cy="0"/>
+        </a:xfrm>
+      </p:grpSpPr>
+      <p:pic>
+        <p:nvPicPr>
+          <p:cNvPr id="4" name="图片 3"/>
+          <p:cNvPicPr/>
+          <p:nvPr/>
+        </p:nvPicPr>
+        <p:blipFill>
+          <a:blip r:embed="rId2" cstate="print">
+            <a:extLst>
+              <a:ext uri="{28A0092B-C50C-407E-A947-70E740481C1C}">
+                <a14:useLocalDpi xmlns:a14="http://schemas.microsoft.com/office/drawing/2010/main" val="0"/>
+              </a:ext>
+            </a:extLst>
+          </a:blip>
+          <a:srcRect/>
+          <a:stretch>
+            <a:fillRect/>
+          </a:stretch>
+        </p:blipFill>
+        <p:spPr bwMode="auto">
+          <a:xfrm>
+            <a:off x="284085" y="395977"/>
+            <a:ext cx="6729274" cy="2649064"/>
+          </a:xfrm>
+          <a:prstGeom prst="rect">
+            <a:avLst/>
+          </a:prstGeom>
+          <a:noFill/>
+        </p:spPr>
+      </p:pic>
+      <p:sp>
+        <p:nvSpPr>
+          <p:cNvPr id="5" name="矩形: 圆角 4"/>
+          <p:cNvSpPr/>
+          <p:nvPr/>
+        </p:nvSpPr>
+        <p:spPr>
+          <a:xfrm>
+            <a:off x="4448034" y="5269845"/>
+            <a:ext cx="3337560" cy="1385152"/>
+          </a:xfrm>
+          <a:prstGeom prst="roundRect">
+            <a:avLst/>
+          </a:prstGeom>
+          <a:solidFill>
+            <a:srgbClr val="A9D18E"/>
+          </a:solidFill>
+          <a:ln>
+            <a:solidFill>
+              <a:srgbClr val="A9D18E"/>
+            </a:solidFill>
+          </a:ln>
+        </p:spPr>
+        <p:style>
+          <a:lnRef idx="2">
+            <a:schemeClr val="accent1">
+              <a:shade val="50000"/>
+            </a:schemeClr>
+          </a:lnRef>
+          <a:fillRef idx="1">
+            <a:schemeClr val="accent1"/>
+          </a:fillRef>
+          <a:effectRef idx="0">
+            <a:schemeClr val="accent1"/>
+          </a:effectRef>
+          <a:fontRef idx="minor">
+            <a:schemeClr val="lt1"/>
+          </a:fontRef>
+        </p:style>
+        <p:txBody>
+          <a:bodyPr rtlCol="0" anchor="ctr"/>
+          <a:lstStyle/>
+          <a:p>
+            <a:pPr algn="ctr"/>
+            <a:endParaRPr lang="zh-CN" altLang="en-US"/>
+          </a:p>
+        </p:txBody>
+      </p:sp>
+      <p:sp>
+        <p:nvSpPr>
+          <p:cNvPr id="6" name="矩形: 圆角 5"/>
+          <p:cNvSpPr/>
+          <p:nvPr/>
+        </p:nvSpPr>
+        <p:spPr>
+          <a:xfrm>
+            <a:off x="2199073" y="3512262"/>
+            <a:ext cx="3337560" cy="1188213"/>
+          </a:xfrm>
+          <a:prstGeom prst="roundRect">
+            <a:avLst/>
+          </a:prstGeom>
+          <a:solidFill>
+            <a:srgbClr val="8FAADC"/>
+          </a:solidFill>
+          <a:ln>
+            <a:solidFill>
+              <a:srgbClr val="8FAADC"/>
+            </a:solidFill>
+          </a:ln>
+        </p:spPr>
+        <p:style>
+          <a:lnRef idx="2">
+            <a:schemeClr val="accent1">
+              <a:shade val="50000"/>
+            </a:schemeClr>
+          </a:lnRef>
+          <a:fillRef idx="1">
+            <a:schemeClr val="accent1"/>
+          </a:fillRef>
+          <a:effectRef idx="0">
+            <a:schemeClr val="accent1"/>
+          </a:effectRef>
+          <a:fontRef idx="minor">
+            <a:schemeClr val="lt1"/>
+          </a:fontRef>
+        </p:style>
+        <p:txBody>
+          <a:bodyPr rtlCol="0" anchor="ctr"/>
+          <a:lstStyle/>
+          <a:p>
+            <a:pPr algn="ctr"/>
+            <a:endParaRPr lang="zh-CN" altLang="en-US" dirty="0"/>
+          </a:p>
+        </p:txBody>
+      </p:sp>
+      <p:sp>
+        <p:nvSpPr>
+          <p:cNvPr id="7" name="矩形: 圆角 6"/>
+          <p:cNvSpPr/>
+          <p:nvPr/>
+        </p:nvSpPr>
+        <p:spPr>
+          <a:xfrm>
+            <a:off x="2336422" y="4208469"/>
+            <a:ext cx="325966" cy="284086"/>
+          </a:xfrm>
+          <a:prstGeom prst="roundRect">
+            <a:avLst/>
+          </a:prstGeom>
+          <a:noFill/>
+          <a:ln w="12700">
+            <a:solidFill>
+              <a:schemeClr val="tx1"/>
+            </a:solidFill>
+          </a:ln>
+        </p:spPr>
+        <p:style>
+          <a:lnRef idx="2">
+            <a:schemeClr val="accent1">
+              <a:shade val="50000"/>
+            </a:schemeClr>
+          </a:lnRef>
+          <a:fillRef idx="1">
+            <a:schemeClr val="accent1"/>
+          </a:fillRef>
+          <a:effectRef idx="0">
+            <a:schemeClr val="accent1"/>
+          </a:effectRef>
+          <a:fontRef idx="minor">
+            <a:schemeClr val="lt1"/>
+          </a:fontRef>
+        </p:style>
+        <p:txBody>
+          <a:bodyPr rtlCol="0" anchor="ctr"/>
+          <a:lstStyle/>
+          <a:p>
+            <a:pPr algn="ctr"/>
+            <a:endParaRPr lang="zh-CN" altLang="en-US" dirty="0"/>
+          </a:p>
+        </p:txBody>
+      </p:sp>
+      <p:sp>
+        <p:nvSpPr>
+          <p:cNvPr id="8" name="矩形: 圆角 7"/>
+          <p:cNvSpPr/>
+          <p:nvPr/>
+        </p:nvSpPr>
+        <p:spPr>
+          <a:xfrm>
+            <a:off x="3047844" y="4208469"/>
+            <a:ext cx="325966" cy="284086"/>
+          </a:xfrm>
+          <a:prstGeom prst="roundRect">
+            <a:avLst/>
+          </a:prstGeom>
+          <a:noFill/>
+          <a:ln w="12700">
+            <a:solidFill>
+              <a:schemeClr val="tx1"/>
+            </a:solidFill>
+          </a:ln>
+        </p:spPr>
+        <p:style>
+          <a:lnRef idx="2">
+            <a:schemeClr val="accent1">
+              <a:shade val="50000"/>
+            </a:schemeClr>
+          </a:lnRef>
+          <a:fillRef idx="1">
+            <a:schemeClr val="accent1"/>
+          </a:fillRef>
+          <a:effectRef idx="0">
+            <a:schemeClr val="accent1"/>
+          </a:effectRef>
+          <a:fontRef idx="minor">
+            <a:schemeClr val="lt1"/>
+          </a:fontRef>
+        </p:style>
+        <p:txBody>
+          <a:bodyPr rtlCol="0" anchor="ctr"/>
+          <a:lstStyle/>
+          <a:p>
+            <a:pPr algn="ctr"/>
+            <a:endParaRPr lang="zh-CN" altLang="en-US"/>
+          </a:p>
+        </p:txBody>
+      </p:sp>
+      <p:sp>
+        <p:nvSpPr>
+          <p:cNvPr id="9" name="矩形: 圆角 8"/>
+          <p:cNvSpPr/>
+          <p:nvPr/>
+        </p:nvSpPr>
+        <p:spPr>
+          <a:xfrm>
+            <a:off x="3759266" y="4208469"/>
+            <a:ext cx="325966" cy="284086"/>
+          </a:xfrm>
+          <a:prstGeom prst="roundRect">
+            <a:avLst/>
+          </a:prstGeom>
+          <a:noFill/>
+          <a:ln w="12700">
+            <a:solidFill>
+              <a:schemeClr val="tx1"/>
+            </a:solidFill>
+          </a:ln>
+        </p:spPr>
+        <p:style>
+          <a:lnRef idx="2">
+            <a:schemeClr val="accent1">
+              <a:shade val="50000"/>
+            </a:schemeClr>
+          </a:lnRef>
+          <a:fillRef idx="1">
+            <a:schemeClr val="accent1"/>
+          </a:fillRef>
+          <a:effectRef idx="0">
+            <a:schemeClr val="accent1"/>
+          </a:effectRef>
+          <a:fontRef idx="minor">
+            <a:schemeClr val="lt1"/>
+          </a:fontRef>
+        </p:style>
+        <p:txBody>
+          <a:bodyPr rtlCol="0" anchor="ctr"/>
+          <a:lstStyle/>
+          <a:p>
+            <a:pPr algn="ctr"/>
+            <a:endParaRPr lang="zh-CN" altLang="en-US"/>
+          </a:p>
+        </p:txBody>
+      </p:sp>
+      <p:sp>
+        <p:nvSpPr>
+          <p:cNvPr id="10" name="矩形: 圆角 9"/>
+          <p:cNvSpPr/>
+          <p:nvPr/>
+        </p:nvSpPr>
+        <p:spPr>
+          <a:xfrm>
+            <a:off x="4579286" y="4208469"/>
+            <a:ext cx="325966" cy="284086"/>
+          </a:xfrm>
+          <a:prstGeom prst="roundRect">
+            <a:avLst/>
+          </a:prstGeom>
+          <a:noFill/>
+          <a:ln w="12700">
+            <a:solidFill>
+              <a:schemeClr val="tx1"/>
+            </a:solidFill>
+          </a:ln>
+        </p:spPr>
+        <p:style>
+          <a:lnRef idx="2">
+            <a:schemeClr val="accent1">
+              <a:shade val="50000"/>
+            </a:schemeClr>
+          </a:lnRef>
+          <a:fillRef idx="1">
+            <a:schemeClr val="accent1"/>
+          </a:fillRef>
+          <a:effectRef idx="0">
+            <a:schemeClr val="accent1"/>
+          </a:effectRef>
+          <a:fontRef idx="minor">
+            <a:schemeClr val="lt1"/>
+          </a:fontRef>
+        </p:style>
+        <p:txBody>
+          <a:bodyPr rtlCol="0" anchor="ctr"/>
+          <a:lstStyle/>
+          <a:p>
+            <a:pPr algn="ctr"/>
+            <a:endParaRPr lang="zh-CN" altLang="en-US"/>
+          </a:p>
+        </p:txBody>
+      </p:sp>
+      <p:cxnSp>
+        <p:nvCxnSpPr>
+          <p:cNvPr id="11" name="直接箭头连接符 10"/>
+          <p:cNvCxnSpPr/>
+          <p:nvPr/>
+        </p:nvCxnSpPr>
+        <p:spPr>
+          <a:xfrm>
+            <a:off x="2662388" y="4350512"/>
+            <a:ext cx="358140" cy="0"/>
+          </a:xfrm>
+          <a:prstGeom prst="straightConnector1">
+            <a:avLst/>
+          </a:prstGeom>
+          <a:ln w="19050">
+            <a:solidFill>
+              <a:schemeClr val="tx1"/>
+            </a:solidFill>
+            <a:tailEnd type="triangle"/>
+          </a:ln>
+        </p:spPr>
+        <p:style>
+          <a:lnRef idx="1">
+            <a:schemeClr val="accent1"/>
+          </a:lnRef>
+          <a:fillRef idx="0">
+            <a:schemeClr val="accent1"/>
+          </a:fillRef>
+          <a:effectRef idx="0">
+            <a:schemeClr val="accent1"/>
+          </a:effectRef>
+          <a:fontRef idx="minor">
+            <a:schemeClr val="tx1"/>
+          </a:fontRef>
+        </p:style>
+      </p:cxnSp>
+      <p:cxnSp>
+        <p:nvCxnSpPr>
+          <p:cNvPr id="12" name="直接箭头连接符 11"/>
+          <p:cNvCxnSpPr/>
+          <p:nvPr/>
+        </p:nvCxnSpPr>
+        <p:spPr>
+          <a:xfrm>
+            <a:off x="3373810" y="4350512"/>
+            <a:ext cx="358140" cy="0"/>
+          </a:xfrm>
+          <a:prstGeom prst="straightConnector1">
+            <a:avLst/>
+          </a:prstGeom>
+          <a:ln w="19050">
+            <a:solidFill>
+              <a:schemeClr val="tx1"/>
+            </a:solidFill>
+            <a:tailEnd type="triangle"/>
+          </a:ln>
+        </p:spPr>
+        <p:style>
+          <a:lnRef idx="1">
+            <a:schemeClr val="accent1"/>
+          </a:lnRef>
+          <a:fillRef idx="0">
+            <a:schemeClr val="accent1"/>
+          </a:fillRef>
+          <a:effectRef idx="0">
+            <a:schemeClr val="accent1"/>
+          </a:effectRef>
+          <a:fontRef idx="minor">
+            <a:schemeClr val="tx1"/>
+          </a:fontRef>
+        </p:style>
+      </p:cxnSp>
+      <p:cxnSp>
+        <p:nvCxnSpPr>
+          <p:cNvPr id="13" name="直接箭头连接符 12"/>
+          <p:cNvCxnSpPr>
+            <a:cxnSpLocks/>
+          </p:cNvCxnSpPr>
+          <p:nvPr/>
+        </p:nvCxnSpPr>
+        <p:spPr>
+          <a:xfrm>
+            <a:off x="4085232" y="4350512"/>
+            <a:ext cx="184085" cy="0"/>
+          </a:xfrm>
+          <a:prstGeom prst="straightConnector1">
+            <a:avLst/>
+          </a:prstGeom>
+          <a:ln w="19050">
+            <a:solidFill>
+              <a:schemeClr val="tx1"/>
+            </a:solidFill>
+            <a:tailEnd type="triangle"/>
+          </a:ln>
+        </p:spPr>
+        <p:style>
+          <a:lnRef idx="1">
+            <a:schemeClr val="accent1"/>
+          </a:lnRef>
+          <a:fillRef idx="0">
+            <a:schemeClr val="accent1"/>
+          </a:fillRef>
+          <a:effectRef idx="0">
+            <a:schemeClr val="accent1"/>
+          </a:effectRef>
+          <a:fontRef idx="minor">
+            <a:schemeClr val="tx1"/>
+          </a:fontRef>
+        </p:style>
+      </p:cxnSp>
+      <p:cxnSp>
+        <p:nvCxnSpPr>
+          <p:cNvPr id="14" name="直接箭头连接符 13"/>
+          <p:cNvCxnSpPr>
+            <a:cxnSpLocks/>
+          </p:cNvCxnSpPr>
+          <p:nvPr/>
+        </p:nvCxnSpPr>
+        <p:spPr>
+          <a:xfrm>
+            <a:off x="4395201" y="4350512"/>
+            <a:ext cx="184085" cy="0"/>
+          </a:xfrm>
+          <a:prstGeom prst="straightConnector1">
+            <a:avLst/>
+          </a:prstGeom>
+          <a:ln w="19050">
+            <a:solidFill>
+              <a:schemeClr val="tx1"/>
+            </a:solidFill>
+            <a:tailEnd type="triangle"/>
+          </a:ln>
+        </p:spPr>
+        <p:style>
+          <a:lnRef idx="1">
+            <a:schemeClr val="accent1"/>
+          </a:lnRef>
+          <a:fillRef idx="0">
+            <a:schemeClr val="accent1"/>
+          </a:fillRef>
+          <a:effectRef idx="0">
+            <a:schemeClr val="accent1"/>
+          </a:effectRef>
+          <a:fontRef idx="minor">
+            <a:schemeClr val="tx1"/>
+          </a:fontRef>
+        </p:style>
+      </p:cxnSp>
+      <p:sp>
+        <p:nvSpPr>
+          <p:cNvPr id="15" name="文本框 14"/>
+          <p:cNvSpPr txBox="1"/>
+          <p:nvPr/>
+        </p:nvSpPr>
+        <p:spPr>
+          <a:xfrm>
+            <a:off x="4246457" y="4071955"/>
+            <a:ext cx="45719" cy="369332"/>
+          </a:xfrm>
+          <a:prstGeom prst="rect">
+            <a:avLst/>
+          </a:prstGeom>
+          <a:noFill/>
+        </p:spPr>
+        <p:txBody>
+          <a:bodyPr wrap="square" rtlCol="0">
+            <a:spAutoFit/>
+          </a:bodyPr>
+          <a:lstStyle/>
+          <a:p>
+            <a:r>
+              <a:rPr lang="en-US" altLang="zh-CN" dirty="0"/>
+              <a:t>…</a:t>
+            </a:r>
+            <a:endParaRPr lang="zh-CN" altLang="en-US" dirty="0"/>
+          </a:p>
+        </p:txBody>
+      </p:sp>
+      <p:sp>
+        <p:nvSpPr>
+          <p:cNvPr id="16" name="文本框 15"/>
+          <p:cNvSpPr txBox="1"/>
+          <p:nvPr/>
+        </p:nvSpPr>
+        <p:spPr>
+          <a:xfrm>
+            <a:off x="2337016" y="3555381"/>
+            <a:ext cx="377026" cy="369332"/>
+          </a:xfrm>
+          <a:prstGeom prst="rect">
+            <a:avLst/>
+          </a:prstGeom>
+          <a:noFill/>
+        </p:spPr>
+        <p:txBody>
+          <a:bodyPr wrap="none" rtlCol="0">
+            <a:spAutoFit/>
+          </a:bodyPr>
+          <a:lstStyle/>
+          <a:p>
+            <a:r>
+              <a:rPr lang="en-US" altLang="zh-CN" dirty="0">
+                <a:latin typeface="Times New Roman" panose="02020603050405020304" pitchFamily="18" charset="0"/>
+                <a:ea typeface="宋体" panose="02010600030101010101" pitchFamily="2" charset="-122"/>
+                <a:cs typeface="Times New Roman" panose="02020603050405020304" pitchFamily="18" charset="0"/>
+              </a:rPr>
+              <a:t>x</a:t>
+            </a:r>
+            <a:r>
+              <a:rPr lang="en-US" altLang="zh-CN" baseline="-25000" dirty="0">
+                <a:latin typeface="Times New Roman" panose="02020603050405020304" pitchFamily="18" charset="0"/>
+                <a:ea typeface="宋体" panose="02010600030101010101" pitchFamily="2" charset="-122"/>
+                <a:cs typeface="Times New Roman" panose="02020603050405020304" pitchFamily="18" charset="0"/>
+              </a:rPr>
+              <a:t>1</a:t>
+            </a:r>
+            <a:endParaRPr lang="zh-CN" altLang="en-US" baseline="-25000" dirty="0">
+              <a:latin typeface="Times New Roman" panose="02020603050405020304" pitchFamily="18" charset="0"/>
+              <a:ea typeface="宋体" panose="02010600030101010101" pitchFamily="2" charset="-122"/>
+              <a:cs typeface="Times New Roman" panose="02020603050405020304" pitchFamily="18" charset="0"/>
+            </a:endParaRPr>
+          </a:p>
+        </p:txBody>
+      </p:sp>
+      <p:sp>
+        <p:nvSpPr>
+          <p:cNvPr id="17" name="文本框 16"/>
+          <p:cNvSpPr txBox="1"/>
+          <p:nvPr/>
+        </p:nvSpPr>
+        <p:spPr>
+          <a:xfrm>
+            <a:off x="3046085" y="3555381"/>
+            <a:ext cx="377026" cy="369332"/>
+          </a:xfrm>
+          <a:prstGeom prst="rect">
+            <a:avLst/>
+          </a:prstGeom>
+          <a:noFill/>
+        </p:spPr>
+        <p:txBody>
+          <a:bodyPr wrap="none" rtlCol="0">
+            <a:spAutoFit/>
+          </a:bodyPr>
+          <a:lstStyle/>
+          <a:p>
+            <a:r>
+              <a:rPr lang="en-US" altLang="zh-CN" dirty="0">
+                <a:latin typeface="Times New Roman" panose="02020603050405020304" pitchFamily="18" charset="0"/>
+                <a:ea typeface="宋体" panose="02010600030101010101" pitchFamily="2" charset="-122"/>
+                <a:cs typeface="Times New Roman" panose="02020603050405020304" pitchFamily="18" charset="0"/>
+              </a:rPr>
+              <a:t>x</a:t>
+            </a:r>
+            <a:r>
+              <a:rPr lang="en-US" altLang="zh-CN" baseline="-25000" dirty="0">
+                <a:latin typeface="Times New Roman" panose="02020603050405020304" pitchFamily="18" charset="0"/>
+                <a:ea typeface="宋体" panose="02010600030101010101" pitchFamily="2" charset="-122"/>
+                <a:cs typeface="Times New Roman" panose="02020603050405020304" pitchFamily="18" charset="0"/>
+              </a:rPr>
+              <a:t>2</a:t>
+            </a:r>
+            <a:endParaRPr lang="zh-CN" altLang="en-US" baseline="-25000" dirty="0">
+              <a:latin typeface="Times New Roman" panose="02020603050405020304" pitchFamily="18" charset="0"/>
+              <a:ea typeface="宋体" panose="02010600030101010101" pitchFamily="2" charset="-122"/>
+              <a:cs typeface="Times New Roman" panose="02020603050405020304" pitchFamily="18" charset="0"/>
+            </a:endParaRPr>
+          </a:p>
+        </p:txBody>
+      </p:sp>
+      <p:sp>
+        <p:nvSpPr>
+          <p:cNvPr id="18" name="文本框 17"/>
+          <p:cNvSpPr txBox="1"/>
+          <p:nvPr/>
+        </p:nvSpPr>
+        <p:spPr>
+          <a:xfrm>
+            <a:off x="3784117" y="3552573"/>
+            <a:ext cx="377026" cy="369332"/>
+          </a:xfrm>
+          <a:prstGeom prst="rect">
+            <a:avLst/>
+          </a:prstGeom>
+          <a:noFill/>
+        </p:spPr>
+        <p:txBody>
+          <a:bodyPr wrap="none" rtlCol="0">
+            <a:spAutoFit/>
+          </a:bodyPr>
+          <a:lstStyle/>
+          <a:p>
+            <a:r>
+              <a:rPr lang="en-US" altLang="zh-CN" dirty="0">
+                <a:latin typeface="Times New Roman" panose="02020603050405020304" pitchFamily="18" charset="0"/>
+                <a:ea typeface="宋体" panose="02010600030101010101" pitchFamily="2" charset="-122"/>
+                <a:cs typeface="Times New Roman" panose="02020603050405020304" pitchFamily="18" charset="0"/>
+              </a:rPr>
+              <a:t>x</a:t>
+            </a:r>
+            <a:r>
+              <a:rPr lang="en-US" altLang="zh-CN" baseline="-25000" dirty="0">
+                <a:latin typeface="Times New Roman" panose="02020603050405020304" pitchFamily="18" charset="0"/>
+                <a:ea typeface="宋体" panose="02010600030101010101" pitchFamily="2" charset="-122"/>
+                <a:cs typeface="Times New Roman" panose="02020603050405020304" pitchFamily="18" charset="0"/>
+              </a:rPr>
+              <a:t>3</a:t>
+            </a:r>
+            <a:endParaRPr lang="zh-CN" altLang="en-US" baseline="-25000" dirty="0">
+              <a:latin typeface="Times New Roman" panose="02020603050405020304" pitchFamily="18" charset="0"/>
+              <a:ea typeface="宋体" panose="02010600030101010101" pitchFamily="2" charset="-122"/>
+              <a:cs typeface="Times New Roman" panose="02020603050405020304" pitchFamily="18" charset="0"/>
+            </a:endParaRPr>
+          </a:p>
+        </p:txBody>
+      </p:sp>
+      <p:sp>
+        <p:nvSpPr>
+          <p:cNvPr id="19" name="文本框 18"/>
+          <p:cNvSpPr txBox="1"/>
+          <p:nvPr/>
+        </p:nvSpPr>
+        <p:spPr>
+          <a:xfrm>
+            <a:off x="4611449" y="3559707"/>
+            <a:ext cx="420308" cy="369332"/>
+          </a:xfrm>
+          <a:prstGeom prst="rect">
+            <a:avLst/>
+          </a:prstGeom>
+          <a:noFill/>
+        </p:spPr>
+        <p:txBody>
+          <a:bodyPr wrap="none" rtlCol="0">
+            <a:spAutoFit/>
+          </a:bodyPr>
+          <a:lstStyle/>
+          <a:p>
+            <a:r>
+              <a:rPr lang="en-US" altLang="zh-CN" dirty="0" err="1">
+                <a:latin typeface="Times New Roman" panose="02020603050405020304" pitchFamily="18" charset="0"/>
+                <a:ea typeface="宋体" panose="02010600030101010101" pitchFamily="2" charset="-122"/>
+                <a:cs typeface="Times New Roman" panose="02020603050405020304" pitchFamily="18" charset="0"/>
+              </a:rPr>
+              <a:t>x</a:t>
+            </a:r>
+            <a:r>
+              <a:rPr lang="en-US" altLang="zh-CN" baseline="-25000" dirty="0" err="1">
+                <a:latin typeface="Times New Roman" panose="02020603050405020304" pitchFamily="18" charset="0"/>
+                <a:ea typeface="宋体" panose="02010600030101010101" pitchFamily="2" charset="-122"/>
+                <a:cs typeface="Times New Roman" panose="02020603050405020304" pitchFamily="18" charset="0"/>
+              </a:rPr>
+              <a:t>m</a:t>
+            </a:r>
+            <a:endParaRPr lang="zh-CN" altLang="en-US" baseline="-25000" dirty="0">
+              <a:latin typeface="Times New Roman" panose="02020603050405020304" pitchFamily="18" charset="0"/>
+              <a:ea typeface="宋体" panose="02010600030101010101" pitchFamily="2" charset="-122"/>
+              <a:cs typeface="Times New Roman" panose="02020603050405020304" pitchFamily="18" charset="0"/>
+            </a:endParaRPr>
+          </a:p>
+        </p:txBody>
+      </p:sp>
+      <p:cxnSp>
+        <p:nvCxnSpPr>
+          <p:cNvPr id="20" name="直接箭头连接符 19"/>
+          <p:cNvCxnSpPr>
+            <a:cxnSpLocks/>
+          </p:cNvCxnSpPr>
+          <p:nvPr/>
+        </p:nvCxnSpPr>
+        <p:spPr>
+          <a:xfrm>
+            <a:off x="2498514" y="3953452"/>
+            <a:ext cx="891" cy="226277"/>
+          </a:xfrm>
+          <a:prstGeom prst="straightConnector1">
+            <a:avLst/>
+          </a:prstGeom>
+          <a:ln w="19050">
+            <a:solidFill>
+              <a:schemeClr val="tx1"/>
+            </a:solidFill>
+            <a:tailEnd type="triangle"/>
+          </a:ln>
+        </p:spPr>
+        <p:style>
+          <a:lnRef idx="1">
+            <a:schemeClr val="accent1"/>
+          </a:lnRef>
+          <a:fillRef idx="0">
+            <a:schemeClr val="accent1"/>
+          </a:fillRef>
+          <a:effectRef idx="0">
+            <a:schemeClr val="accent1"/>
+          </a:effectRef>
+          <a:fontRef idx="minor">
+            <a:schemeClr val="tx1"/>
+          </a:fontRef>
+        </p:style>
+      </p:cxnSp>
+      <p:cxnSp>
+        <p:nvCxnSpPr>
+          <p:cNvPr id="21" name="直接箭头连接符 20"/>
+          <p:cNvCxnSpPr>
+            <a:cxnSpLocks/>
+          </p:cNvCxnSpPr>
+          <p:nvPr/>
+        </p:nvCxnSpPr>
+        <p:spPr>
+          <a:xfrm>
+            <a:off x="3239827" y="3953452"/>
+            <a:ext cx="891" cy="226277"/>
+          </a:xfrm>
+          <a:prstGeom prst="straightConnector1">
+            <a:avLst/>
+          </a:prstGeom>
+          <a:ln w="19050">
+            <a:solidFill>
+              <a:schemeClr val="tx1"/>
+            </a:solidFill>
+            <a:tailEnd type="triangle"/>
+          </a:ln>
+        </p:spPr>
+        <p:style>
+          <a:lnRef idx="1">
+            <a:schemeClr val="accent1"/>
+          </a:lnRef>
+          <a:fillRef idx="0">
+            <a:schemeClr val="accent1"/>
+          </a:fillRef>
+          <a:effectRef idx="0">
+            <a:schemeClr val="accent1"/>
+          </a:effectRef>
+          <a:fontRef idx="minor">
+            <a:schemeClr val="tx1"/>
+          </a:fontRef>
+        </p:style>
+      </p:cxnSp>
+      <p:cxnSp>
+        <p:nvCxnSpPr>
+          <p:cNvPr id="22" name="直接箭头连接符 21"/>
+          <p:cNvCxnSpPr>
+            <a:cxnSpLocks/>
+          </p:cNvCxnSpPr>
+          <p:nvPr/>
+        </p:nvCxnSpPr>
+        <p:spPr>
+          <a:xfrm>
+            <a:off x="3957589" y="3953452"/>
+            <a:ext cx="891" cy="226277"/>
+          </a:xfrm>
+          <a:prstGeom prst="straightConnector1">
+            <a:avLst/>
+          </a:prstGeom>
+          <a:ln w="19050">
+            <a:solidFill>
+              <a:schemeClr val="tx1"/>
+            </a:solidFill>
+            <a:tailEnd type="triangle"/>
+          </a:ln>
+        </p:spPr>
+        <p:style>
+          <a:lnRef idx="1">
+            <a:schemeClr val="accent1"/>
+          </a:lnRef>
+          <a:fillRef idx="0">
+            <a:schemeClr val="accent1"/>
+          </a:fillRef>
+          <a:effectRef idx="0">
+            <a:schemeClr val="accent1"/>
+          </a:effectRef>
+          <a:fontRef idx="minor">
+            <a:schemeClr val="tx1"/>
+          </a:fontRef>
+        </p:style>
+      </p:cxnSp>
+      <p:cxnSp>
+        <p:nvCxnSpPr>
+          <p:cNvPr id="23" name="直接箭头连接符 22"/>
+          <p:cNvCxnSpPr>
+            <a:cxnSpLocks/>
+          </p:cNvCxnSpPr>
+          <p:nvPr/>
+        </p:nvCxnSpPr>
+        <p:spPr>
+          <a:xfrm>
+            <a:off x="4742269" y="3953452"/>
+            <a:ext cx="891" cy="226277"/>
+          </a:xfrm>
+          <a:prstGeom prst="straightConnector1">
+            <a:avLst/>
+          </a:prstGeom>
+          <a:ln w="19050">
+            <a:solidFill>
+              <a:schemeClr val="tx1"/>
+            </a:solidFill>
+            <a:tailEnd type="triangle"/>
+          </a:ln>
+        </p:spPr>
+        <p:style>
+          <a:lnRef idx="1">
+            <a:schemeClr val="accent1"/>
+          </a:lnRef>
+          <a:fillRef idx="0">
+            <a:schemeClr val="accent1"/>
+          </a:fillRef>
+          <a:effectRef idx="0">
+            <a:schemeClr val="accent1"/>
+          </a:effectRef>
+          <a:fontRef idx="minor">
+            <a:schemeClr val="tx1"/>
+          </a:fontRef>
+        </p:style>
+      </p:cxnSp>
+      <p:sp>
+        <p:nvSpPr>
+          <p:cNvPr id="24" name="矩形: 圆角 23"/>
+          <p:cNvSpPr/>
+          <p:nvPr/>
+        </p:nvSpPr>
+        <p:spPr>
+          <a:xfrm>
+            <a:off x="4580314" y="4899381"/>
+            <a:ext cx="325966" cy="284086"/>
+          </a:xfrm>
+          <a:prstGeom prst="roundRect">
+            <a:avLst/>
+          </a:prstGeom>
+          <a:noFill/>
+          <a:ln w="12700">
+            <a:solidFill>
+              <a:schemeClr val="tx1"/>
+            </a:solidFill>
+          </a:ln>
+        </p:spPr>
+        <p:style>
+          <a:lnRef idx="2">
+            <a:schemeClr val="accent1">
+              <a:shade val="50000"/>
+            </a:schemeClr>
+          </a:lnRef>
+          <a:fillRef idx="1">
+            <a:schemeClr val="accent1"/>
+          </a:fillRef>
+          <a:effectRef idx="0">
+            <a:schemeClr val="accent1"/>
+          </a:effectRef>
+          <a:fontRef idx="minor">
+            <a:schemeClr val="lt1"/>
+          </a:fontRef>
+        </p:style>
+        <p:txBody>
+          <a:bodyPr rtlCol="0" anchor="ctr"/>
+          <a:lstStyle/>
+          <a:p>
+            <a:pPr algn="ctr"/>
+            <a:endParaRPr lang="zh-CN" altLang="en-US"/>
+          </a:p>
+        </p:txBody>
+      </p:sp>
+      <p:cxnSp>
+        <p:nvCxnSpPr>
+          <p:cNvPr id="25" name="连接符: 曲线 24"/>
+          <p:cNvCxnSpPr>
+            <a:stCxn id="10" idx="2"/>
+            <a:endCxn id="24" idx="0"/>
+          </p:cNvCxnSpPr>
+          <p:nvPr/>
+        </p:nvCxnSpPr>
+        <p:spPr>
+          <a:xfrm rot="16200000" flipH="1">
+            <a:off x="4539370" y="4695454"/>
+            <a:ext cx="406826" cy="1028"/>
+          </a:xfrm>
+          <a:prstGeom prst="curvedConnector3">
+            <a:avLst/>
+          </a:prstGeom>
+          <a:ln w="12700">
+            <a:solidFill>
+              <a:schemeClr val="tx1"/>
+            </a:solidFill>
+            <a:tailEnd type="triangle"/>
+          </a:ln>
+        </p:spPr>
+        <p:style>
+          <a:lnRef idx="1">
+            <a:schemeClr val="accent1"/>
+          </a:lnRef>
+          <a:fillRef idx="0">
+            <a:schemeClr val="accent1"/>
+          </a:fillRef>
+          <a:effectRef idx="0">
+            <a:schemeClr val="accent1"/>
+          </a:effectRef>
+          <a:fontRef idx="minor">
+            <a:schemeClr val="tx1"/>
+          </a:fontRef>
+        </p:style>
+      </p:cxnSp>
+      <p:sp>
+        <p:nvSpPr>
+          <p:cNvPr id="26" name="文本框 25"/>
+          <p:cNvSpPr txBox="1"/>
+          <p:nvPr/>
+        </p:nvSpPr>
+        <p:spPr>
+          <a:xfrm>
+            <a:off x="5007119" y="3737239"/>
+            <a:ext cx="461665" cy="784830"/>
+          </a:xfrm>
+          <a:prstGeom prst="rect">
+            <a:avLst/>
+          </a:prstGeom>
+          <a:noFill/>
+        </p:spPr>
+        <p:txBody>
+          <a:bodyPr vert="eaVert" wrap="none" rtlCol="0">
+            <a:spAutoFit/>
+          </a:bodyPr>
+          <a:lstStyle/>
+          <a:p>
+            <a:r>
+              <a:rPr lang="zh-CN" altLang="en-US" dirty="0"/>
+              <a:t>编码器</a:t>
+            </a:r>
+          </a:p>
+        </p:txBody>
+      </p:sp>
+      <p:sp>
+        <p:nvSpPr>
+          <p:cNvPr id="27" name="矩形: 圆角 26"/>
+          <p:cNvSpPr/>
+          <p:nvPr/>
+        </p:nvSpPr>
+        <p:spPr>
+          <a:xfrm>
+            <a:off x="4581271" y="5490665"/>
+            <a:ext cx="325966" cy="284086"/>
+          </a:xfrm>
+          <a:prstGeom prst="roundRect">
+            <a:avLst/>
+          </a:prstGeom>
+          <a:noFill/>
+          <a:ln w="12700">
+            <a:solidFill>
+              <a:schemeClr val="tx1"/>
+            </a:solidFill>
+          </a:ln>
+        </p:spPr>
+        <p:style>
+          <a:lnRef idx="2">
+            <a:schemeClr val="accent1">
+              <a:shade val="50000"/>
+            </a:schemeClr>
+          </a:lnRef>
+          <a:fillRef idx="1">
+            <a:schemeClr val="accent1"/>
+          </a:fillRef>
+          <a:effectRef idx="0">
+            <a:schemeClr val="accent1"/>
+          </a:effectRef>
+          <a:fontRef idx="minor">
+            <a:schemeClr val="lt1"/>
+          </a:fontRef>
+        </p:style>
+        <p:txBody>
+          <a:bodyPr rtlCol="0" anchor="ctr"/>
+          <a:lstStyle/>
+          <a:p>
+            <a:pPr algn="ctr"/>
+            <a:endParaRPr lang="zh-CN" altLang="en-US" dirty="0"/>
+          </a:p>
+        </p:txBody>
+      </p:sp>
+      <p:sp>
+        <p:nvSpPr>
+          <p:cNvPr id="28" name="矩形: 圆角 27"/>
+          <p:cNvSpPr/>
+          <p:nvPr/>
+        </p:nvSpPr>
+        <p:spPr>
+          <a:xfrm>
+            <a:off x="5292693" y="5490665"/>
+            <a:ext cx="325966" cy="284086"/>
+          </a:xfrm>
+          <a:prstGeom prst="roundRect">
+            <a:avLst/>
+          </a:prstGeom>
+          <a:noFill/>
+          <a:ln w="12700">
+            <a:solidFill>
+              <a:schemeClr val="tx1"/>
+            </a:solidFill>
+          </a:ln>
+        </p:spPr>
+        <p:style>
+          <a:lnRef idx="2">
+            <a:schemeClr val="accent1">
+              <a:shade val="50000"/>
+            </a:schemeClr>
+          </a:lnRef>
+          <a:fillRef idx="1">
+            <a:schemeClr val="accent1"/>
+          </a:fillRef>
+          <a:effectRef idx="0">
+            <a:schemeClr val="accent1"/>
+          </a:effectRef>
+          <a:fontRef idx="minor">
+            <a:schemeClr val="lt1"/>
+          </a:fontRef>
+        </p:style>
+        <p:txBody>
+          <a:bodyPr rtlCol="0" anchor="ctr"/>
+          <a:lstStyle/>
+          <a:p>
+            <a:pPr algn="ctr"/>
+            <a:endParaRPr lang="zh-CN" altLang="en-US"/>
+          </a:p>
+        </p:txBody>
+      </p:sp>
+      <p:sp>
+        <p:nvSpPr>
+          <p:cNvPr id="29" name="矩形: 圆角 28"/>
+          <p:cNvSpPr/>
+          <p:nvPr/>
+        </p:nvSpPr>
+        <p:spPr>
+          <a:xfrm>
+            <a:off x="6004115" y="5490665"/>
+            <a:ext cx="325966" cy="284086"/>
+          </a:xfrm>
+          <a:prstGeom prst="roundRect">
+            <a:avLst/>
+          </a:prstGeom>
+          <a:noFill/>
+          <a:ln w="12700">
+            <a:solidFill>
+              <a:schemeClr val="tx1"/>
+            </a:solidFill>
+          </a:ln>
+        </p:spPr>
+        <p:style>
+          <a:lnRef idx="2">
+            <a:schemeClr val="accent1">
+              <a:shade val="50000"/>
+            </a:schemeClr>
+          </a:lnRef>
+          <a:fillRef idx="1">
+            <a:schemeClr val="accent1"/>
+          </a:fillRef>
+          <a:effectRef idx="0">
+            <a:schemeClr val="accent1"/>
+          </a:effectRef>
+          <a:fontRef idx="minor">
+            <a:schemeClr val="lt1"/>
+          </a:fontRef>
+        </p:style>
+        <p:txBody>
+          <a:bodyPr rtlCol="0" anchor="ctr"/>
+          <a:lstStyle/>
+          <a:p>
+            <a:pPr algn="ctr"/>
+            <a:endParaRPr lang="zh-CN" altLang="en-US"/>
+          </a:p>
+        </p:txBody>
+      </p:sp>
+      <p:sp>
+        <p:nvSpPr>
+          <p:cNvPr id="30" name="矩形: 圆角 29"/>
+          <p:cNvSpPr/>
+          <p:nvPr/>
+        </p:nvSpPr>
+        <p:spPr>
+          <a:xfrm>
+            <a:off x="6824135" y="5490665"/>
+            <a:ext cx="325966" cy="284086"/>
+          </a:xfrm>
+          <a:prstGeom prst="roundRect">
+            <a:avLst/>
+          </a:prstGeom>
+          <a:noFill/>
+          <a:ln w="12700">
+            <a:solidFill>
+              <a:schemeClr val="tx1"/>
+            </a:solidFill>
+          </a:ln>
+        </p:spPr>
+        <p:style>
+          <a:lnRef idx="2">
+            <a:schemeClr val="accent1">
+              <a:shade val="50000"/>
+            </a:schemeClr>
+          </a:lnRef>
+          <a:fillRef idx="1">
+            <a:schemeClr val="accent1"/>
+          </a:fillRef>
+          <a:effectRef idx="0">
+            <a:schemeClr val="accent1"/>
+          </a:effectRef>
+          <a:fontRef idx="minor">
+            <a:schemeClr val="lt1"/>
+          </a:fontRef>
+        </p:style>
+        <p:txBody>
+          <a:bodyPr rtlCol="0" anchor="ctr"/>
+          <a:lstStyle/>
+          <a:p>
+            <a:pPr algn="ctr"/>
+            <a:endParaRPr lang="zh-CN" altLang="en-US"/>
+          </a:p>
+        </p:txBody>
+      </p:sp>
+      <p:cxnSp>
+        <p:nvCxnSpPr>
+          <p:cNvPr id="31" name="直接箭头连接符 30"/>
+          <p:cNvCxnSpPr>
+            <a:cxnSpLocks/>
+          </p:cNvCxnSpPr>
+          <p:nvPr/>
+        </p:nvCxnSpPr>
+        <p:spPr>
+          <a:xfrm>
+            <a:off x="4907237" y="5632708"/>
+            <a:ext cx="358140" cy="0"/>
+          </a:xfrm>
+          <a:prstGeom prst="straightConnector1">
+            <a:avLst/>
+          </a:prstGeom>
+          <a:ln w="19050">
+            <a:solidFill>
+              <a:schemeClr val="tx1"/>
+            </a:solidFill>
+            <a:tailEnd type="triangle"/>
+          </a:ln>
+        </p:spPr>
+        <p:style>
+          <a:lnRef idx="1">
+            <a:schemeClr val="accent1"/>
+          </a:lnRef>
+          <a:fillRef idx="0">
+            <a:schemeClr val="accent1"/>
+          </a:fillRef>
+          <a:effectRef idx="0">
+            <a:schemeClr val="accent1"/>
+          </a:effectRef>
+          <a:fontRef idx="minor">
+            <a:schemeClr val="tx1"/>
+          </a:fontRef>
+        </p:style>
+      </p:cxnSp>
+      <p:cxnSp>
+        <p:nvCxnSpPr>
+          <p:cNvPr id="32" name="直接箭头连接符 31"/>
+          <p:cNvCxnSpPr>
+            <a:cxnSpLocks/>
+          </p:cNvCxnSpPr>
+          <p:nvPr/>
+        </p:nvCxnSpPr>
+        <p:spPr>
+          <a:xfrm>
+            <a:off x="5618659" y="5632708"/>
+            <a:ext cx="358140" cy="0"/>
+          </a:xfrm>
+          <a:prstGeom prst="straightConnector1">
+            <a:avLst/>
+          </a:prstGeom>
+          <a:ln w="19050">
+            <a:solidFill>
+              <a:schemeClr val="tx1"/>
+            </a:solidFill>
+            <a:tailEnd type="triangle"/>
+          </a:ln>
+        </p:spPr>
+        <p:style>
+          <a:lnRef idx="1">
+            <a:schemeClr val="accent1"/>
+          </a:lnRef>
+          <a:fillRef idx="0">
+            <a:schemeClr val="accent1"/>
+          </a:fillRef>
+          <a:effectRef idx="0">
+            <a:schemeClr val="accent1"/>
+          </a:effectRef>
+          <a:fontRef idx="minor">
+            <a:schemeClr val="tx1"/>
+          </a:fontRef>
+        </p:style>
+      </p:cxnSp>
+      <p:cxnSp>
+        <p:nvCxnSpPr>
+          <p:cNvPr id="33" name="直接箭头连接符 32"/>
+          <p:cNvCxnSpPr>
+            <a:cxnSpLocks/>
+          </p:cNvCxnSpPr>
+          <p:nvPr/>
+        </p:nvCxnSpPr>
+        <p:spPr>
+          <a:xfrm>
+            <a:off x="6330081" y="5632708"/>
+            <a:ext cx="184085" cy="0"/>
+          </a:xfrm>
+          <a:prstGeom prst="straightConnector1">
+            <a:avLst/>
+          </a:prstGeom>
+          <a:ln w="19050">
+            <a:solidFill>
+              <a:schemeClr val="tx1"/>
+            </a:solidFill>
+            <a:tailEnd type="triangle"/>
+          </a:ln>
+        </p:spPr>
+        <p:style>
+          <a:lnRef idx="1">
+            <a:schemeClr val="accent1"/>
+          </a:lnRef>
+          <a:fillRef idx="0">
+            <a:schemeClr val="accent1"/>
+          </a:fillRef>
+          <a:effectRef idx="0">
+            <a:schemeClr val="accent1"/>
+          </a:effectRef>
+          <a:fontRef idx="minor">
+            <a:schemeClr val="tx1"/>
+          </a:fontRef>
+        </p:style>
+      </p:cxnSp>
+      <p:cxnSp>
+        <p:nvCxnSpPr>
+          <p:cNvPr id="34" name="直接箭头连接符 33"/>
+          <p:cNvCxnSpPr>
+            <a:cxnSpLocks/>
+          </p:cNvCxnSpPr>
+          <p:nvPr/>
+        </p:nvCxnSpPr>
+        <p:spPr>
+          <a:xfrm>
+            <a:off x="6640050" y="5632708"/>
+            <a:ext cx="184085" cy="0"/>
+          </a:xfrm>
+          <a:prstGeom prst="straightConnector1">
+            <a:avLst/>
+          </a:prstGeom>
+          <a:ln w="19050">
+            <a:solidFill>
+              <a:schemeClr val="tx1"/>
+            </a:solidFill>
+            <a:tailEnd type="triangle"/>
+          </a:ln>
+        </p:spPr>
+        <p:style>
+          <a:lnRef idx="1">
+            <a:schemeClr val="accent1"/>
+          </a:lnRef>
+          <a:fillRef idx="0">
+            <a:schemeClr val="accent1"/>
+          </a:fillRef>
+          <a:effectRef idx="0">
+            <a:schemeClr val="accent1"/>
+          </a:effectRef>
+          <a:fontRef idx="minor">
+            <a:schemeClr val="tx1"/>
+          </a:fontRef>
+        </p:style>
+      </p:cxnSp>
+      <p:sp>
+        <p:nvSpPr>
+          <p:cNvPr id="35" name="文本框 34"/>
+          <p:cNvSpPr txBox="1"/>
+          <p:nvPr/>
+        </p:nvSpPr>
+        <p:spPr>
+          <a:xfrm>
+            <a:off x="4614190" y="6106883"/>
+            <a:ext cx="377026" cy="369332"/>
+          </a:xfrm>
+          <a:prstGeom prst="rect">
+            <a:avLst/>
+          </a:prstGeom>
+          <a:noFill/>
+        </p:spPr>
+        <p:txBody>
+          <a:bodyPr wrap="square" rtlCol="0">
+            <a:spAutoFit/>
+          </a:bodyPr>
+          <a:lstStyle/>
+          <a:p>
+            <a:r>
+              <a:rPr lang="en-US" altLang="zh-CN" dirty="0">
+                <a:latin typeface="Times New Roman" panose="02020603050405020304" pitchFamily="18" charset="0"/>
+                <a:ea typeface="宋体" panose="02010600030101010101" pitchFamily="2" charset="-122"/>
+                <a:cs typeface="Times New Roman" panose="02020603050405020304" pitchFamily="18" charset="0"/>
+              </a:rPr>
+              <a:t>y</a:t>
+            </a:r>
+            <a:r>
+              <a:rPr lang="en-US" altLang="zh-CN" baseline="-25000" dirty="0">
+                <a:latin typeface="Times New Roman" panose="02020603050405020304" pitchFamily="18" charset="0"/>
+                <a:ea typeface="宋体" panose="02010600030101010101" pitchFamily="2" charset="-122"/>
+                <a:cs typeface="Times New Roman" panose="02020603050405020304" pitchFamily="18" charset="0"/>
+              </a:rPr>
+              <a:t>1</a:t>
+            </a:r>
+            <a:endParaRPr lang="zh-CN" altLang="en-US" baseline="-25000" dirty="0">
+              <a:latin typeface="Times New Roman" panose="02020603050405020304" pitchFamily="18" charset="0"/>
+              <a:ea typeface="宋体" panose="02010600030101010101" pitchFamily="2" charset="-122"/>
+              <a:cs typeface="Times New Roman" panose="02020603050405020304" pitchFamily="18" charset="0"/>
+            </a:endParaRPr>
+          </a:p>
+        </p:txBody>
+      </p:sp>
+      <p:cxnSp>
+        <p:nvCxnSpPr>
+          <p:cNvPr id="36" name="直接箭头连接符 35"/>
+          <p:cNvCxnSpPr>
+            <a:cxnSpLocks/>
+          </p:cNvCxnSpPr>
+          <p:nvPr/>
+        </p:nvCxnSpPr>
+        <p:spPr>
+          <a:xfrm flipV="1">
+            <a:off x="4764370" y="5883253"/>
+            <a:ext cx="0" cy="282540"/>
+          </a:xfrm>
+          <a:prstGeom prst="straightConnector1">
+            <a:avLst/>
+          </a:prstGeom>
+          <a:ln w="19050">
+            <a:solidFill>
+              <a:schemeClr val="tx1"/>
+            </a:solidFill>
+            <a:tailEnd type="triangle"/>
+          </a:ln>
+        </p:spPr>
+        <p:style>
+          <a:lnRef idx="1">
+            <a:schemeClr val="accent1"/>
+          </a:lnRef>
+          <a:fillRef idx="0">
+            <a:schemeClr val="accent1"/>
+          </a:fillRef>
+          <a:effectRef idx="0">
+            <a:schemeClr val="accent1"/>
+          </a:effectRef>
+          <a:fontRef idx="minor">
+            <a:schemeClr val="tx1"/>
+          </a:fontRef>
+        </p:style>
+      </p:cxnSp>
+      <p:sp>
+        <p:nvSpPr>
+          <p:cNvPr id="37" name="文本框 36"/>
+          <p:cNvSpPr txBox="1"/>
+          <p:nvPr/>
+        </p:nvSpPr>
+        <p:spPr>
+          <a:xfrm>
+            <a:off x="5241633" y="6106883"/>
+            <a:ext cx="377026" cy="369332"/>
+          </a:xfrm>
+          <a:prstGeom prst="rect">
+            <a:avLst/>
+          </a:prstGeom>
+          <a:noFill/>
+        </p:spPr>
+        <p:txBody>
+          <a:bodyPr wrap="square" rtlCol="0">
+            <a:spAutoFit/>
+          </a:bodyPr>
+          <a:lstStyle/>
+          <a:p>
+            <a:r>
+              <a:rPr lang="en-US" altLang="zh-CN" dirty="0">
+                <a:latin typeface="Times New Roman" panose="02020603050405020304" pitchFamily="18" charset="0"/>
+                <a:ea typeface="宋体" panose="02010600030101010101" pitchFamily="2" charset="-122"/>
+                <a:cs typeface="Times New Roman" panose="02020603050405020304" pitchFamily="18" charset="0"/>
+              </a:rPr>
+              <a:t>y</a:t>
+            </a:r>
+            <a:r>
+              <a:rPr lang="en-US" altLang="zh-CN" baseline="-25000" dirty="0">
+                <a:latin typeface="Times New Roman" panose="02020603050405020304" pitchFamily="18" charset="0"/>
+                <a:ea typeface="宋体" panose="02010600030101010101" pitchFamily="2" charset="-122"/>
+                <a:cs typeface="Times New Roman" panose="02020603050405020304" pitchFamily="18" charset="0"/>
+              </a:rPr>
+              <a:t>2</a:t>
+            </a:r>
+            <a:endParaRPr lang="zh-CN" altLang="en-US" baseline="-25000" dirty="0">
+              <a:latin typeface="Times New Roman" panose="02020603050405020304" pitchFamily="18" charset="0"/>
+              <a:ea typeface="宋体" panose="02010600030101010101" pitchFamily="2" charset="-122"/>
+              <a:cs typeface="Times New Roman" panose="02020603050405020304" pitchFamily="18" charset="0"/>
+            </a:endParaRPr>
+          </a:p>
+        </p:txBody>
+      </p:sp>
+      <p:sp>
+        <p:nvSpPr>
+          <p:cNvPr id="38" name="文本框 37"/>
+          <p:cNvSpPr txBox="1"/>
+          <p:nvPr/>
+        </p:nvSpPr>
+        <p:spPr>
+          <a:xfrm>
+            <a:off x="5953055" y="6106883"/>
+            <a:ext cx="377026" cy="369332"/>
+          </a:xfrm>
+          <a:prstGeom prst="rect">
+            <a:avLst/>
+          </a:prstGeom>
+          <a:noFill/>
+        </p:spPr>
+        <p:txBody>
+          <a:bodyPr wrap="square" rtlCol="0">
+            <a:spAutoFit/>
+          </a:bodyPr>
+          <a:lstStyle/>
+          <a:p>
+            <a:r>
+              <a:rPr lang="en-US" altLang="zh-CN" dirty="0">
+                <a:latin typeface="Times New Roman" panose="02020603050405020304" pitchFamily="18" charset="0"/>
+                <a:ea typeface="宋体" panose="02010600030101010101" pitchFamily="2" charset="-122"/>
+                <a:cs typeface="Times New Roman" panose="02020603050405020304" pitchFamily="18" charset="0"/>
+              </a:rPr>
+              <a:t>y</a:t>
+            </a:r>
+            <a:r>
+              <a:rPr lang="en-US" altLang="zh-CN" baseline="-25000" dirty="0">
+                <a:latin typeface="Times New Roman" panose="02020603050405020304" pitchFamily="18" charset="0"/>
+                <a:ea typeface="宋体" panose="02010600030101010101" pitchFamily="2" charset="-122"/>
+                <a:cs typeface="Times New Roman" panose="02020603050405020304" pitchFamily="18" charset="0"/>
+              </a:rPr>
+              <a:t>3</a:t>
+            </a:r>
+            <a:endParaRPr lang="zh-CN" altLang="en-US" baseline="-25000" dirty="0">
+              <a:latin typeface="Times New Roman" panose="02020603050405020304" pitchFamily="18" charset="0"/>
+              <a:ea typeface="宋体" panose="02010600030101010101" pitchFamily="2" charset="-122"/>
+              <a:cs typeface="Times New Roman" panose="02020603050405020304" pitchFamily="18" charset="0"/>
+            </a:endParaRPr>
+          </a:p>
+        </p:txBody>
+      </p:sp>
+      <p:sp>
+        <p:nvSpPr>
+          <p:cNvPr id="39" name="文本框 38"/>
+          <p:cNvSpPr txBox="1"/>
+          <p:nvPr/>
+        </p:nvSpPr>
+        <p:spPr>
+          <a:xfrm>
+            <a:off x="6798605" y="6106883"/>
+            <a:ext cx="377026" cy="369332"/>
+          </a:xfrm>
+          <a:prstGeom prst="rect">
+            <a:avLst/>
+          </a:prstGeom>
+          <a:noFill/>
+        </p:spPr>
+        <p:txBody>
+          <a:bodyPr wrap="square" rtlCol="0">
+            <a:spAutoFit/>
+          </a:bodyPr>
+          <a:lstStyle/>
+          <a:p>
+            <a:r>
+              <a:rPr lang="en-US" altLang="zh-CN" dirty="0" err="1">
+                <a:latin typeface="Times New Roman" panose="02020603050405020304" pitchFamily="18" charset="0"/>
+                <a:ea typeface="宋体" panose="02010600030101010101" pitchFamily="2" charset="-122"/>
+                <a:cs typeface="Times New Roman" panose="02020603050405020304" pitchFamily="18" charset="0"/>
+              </a:rPr>
+              <a:t>y</a:t>
+            </a:r>
+            <a:r>
+              <a:rPr lang="en-US" altLang="zh-CN" baseline="-25000" dirty="0" err="1">
+                <a:latin typeface="Times New Roman" panose="02020603050405020304" pitchFamily="18" charset="0"/>
+                <a:ea typeface="宋体" panose="02010600030101010101" pitchFamily="2" charset="-122"/>
+                <a:cs typeface="Times New Roman" panose="02020603050405020304" pitchFamily="18" charset="0"/>
+              </a:rPr>
+              <a:t>n</a:t>
+            </a:r>
+            <a:endParaRPr lang="zh-CN" altLang="en-US" baseline="-25000" dirty="0">
+              <a:latin typeface="Times New Roman" panose="02020603050405020304" pitchFamily="18" charset="0"/>
+              <a:ea typeface="宋体" panose="02010600030101010101" pitchFamily="2" charset="-122"/>
+              <a:cs typeface="Times New Roman" panose="02020603050405020304" pitchFamily="18" charset="0"/>
+            </a:endParaRPr>
+          </a:p>
+        </p:txBody>
+      </p:sp>
+      <p:cxnSp>
+        <p:nvCxnSpPr>
+          <p:cNvPr id="40" name="直接箭头连接符 39"/>
+          <p:cNvCxnSpPr>
+            <a:cxnSpLocks/>
+          </p:cNvCxnSpPr>
+          <p:nvPr/>
+        </p:nvCxnSpPr>
+        <p:spPr>
+          <a:xfrm flipV="1">
+            <a:off x="5430146" y="5883253"/>
+            <a:ext cx="0" cy="282540"/>
+          </a:xfrm>
+          <a:prstGeom prst="straightConnector1">
+            <a:avLst/>
+          </a:prstGeom>
+          <a:ln w="19050">
+            <a:solidFill>
+              <a:schemeClr val="tx1"/>
+            </a:solidFill>
+            <a:tailEnd type="triangle"/>
+          </a:ln>
+        </p:spPr>
+        <p:style>
+          <a:lnRef idx="1">
+            <a:schemeClr val="accent1"/>
+          </a:lnRef>
+          <a:fillRef idx="0">
+            <a:schemeClr val="accent1"/>
+          </a:fillRef>
+          <a:effectRef idx="0">
+            <a:schemeClr val="accent1"/>
+          </a:effectRef>
+          <a:fontRef idx="minor">
+            <a:schemeClr val="tx1"/>
+          </a:fontRef>
+        </p:style>
+      </p:cxnSp>
+      <p:cxnSp>
+        <p:nvCxnSpPr>
+          <p:cNvPr id="41" name="直接箭头连接符 40"/>
+          <p:cNvCxnSpPr>
+            <a:cxnSpLocks/>
+          </p:cNvCxnSpPr>
+          <p:nvPr/>
+        </p:nvCxnSpPr>
+        <p:spPr>
+          <a:xfrm flipV="1">
+            <a:off x="6141568" y="5886763"/>
+            <a:ext cx="0" cy="282540"/>
+          </a:xfrm>
+          <a:prstGeom prst="straightConnector1">
+            <a:avLst/>
+          </a:prstGeom>
+          <a:ln w="19050">
+            <a:solidFill>
+              <a:schemeClr val="tx1"/>
+            </a:solidFill>
+            <a:tailEnd type="triangle"/>
+          </a:ln>
+        </p:spPr>
+        <p:style>
+          <a:lnRef idx="1">
+            <a:schemeClr val="accent1"/>
+          </a:lnRef>
+          <a:fillRef idx="0">
+            <a:schemeClr val="accent1"/>
+          </a:fillRef>
+          <a:effectRef idx="0">
+            <a:schemeClr val="accent1"/>
+          </a:effectRef>
+          <a:fontRef idx="minor">
+            <a:schemeClr val="tx1"/>
+          </a:fontRef>
+        </p:style>
+      </p:cxnSp>
+      <p:cxnSp>
+        <p:nvCxnSpPr>
+          <p:cNvPr id="42" name="直接箭头连接符 41"/>
+          <p:cNvCxnSpPr>
+            <a:cxnSpLocks/>
+          </p:cNvCxnSpPr>
+          <p:nvPr/>
+        </p:nvCxnSpPr>
+        <p:spPr>
+          <a:xfrm flipV="1">
+            <a:off x="6987118" y="5883253"/>
+            <a:ext cx="0" cy="282540"/>
+          </a:xfrm>
+          <a:prstGeom prst="straightConnector1">
+            <a:avLst/>
+          </a:prstGeom>
+          <a:ln w="19050">
+            <a:solidFill>
+              <a:schemeClr val="tx1"/>
+            </a:solidFill>
+            <a:tailEnd type="triangle"/>
+          </a:ln>
+        </p:spPr>
+        <p:style>
+          <a:lnRef idx="1">
+            <a:schemeClr val="accent1"/>
+          </a:lnRef>
+          <a:fillRef idx="0">
+            <a:schemeClr val="accent1"/>
+          </a:fillRef>
+          <a:effectRef idx="0">
+            <a:schemeClr val="accent1"/>
+          </a:effectRef>
+          <a:fontRef idx="minor">
+            <a:schemeClr val="tx1"/>
+          </a:fontRef>
+        </p:style>
+      </p:cxnSp>
+      <p:cxnSp>
+        <p:nvCxnSpPr>
+          <p:cNvPr id="43" name="直接箭头连接符 42"/>
+          <p:cNvCxnSpPr>
+            <a:cxnSpLocks/>
+          </p:cNvCxnSpPr>
+          <p:nvPr/>
+        </p:nvCxnSpPr>
+        <p:spPr>
+          <a:xfrm>
+            <a:off x="4971017" y="6342987"/>
+            <a:ext cx="270616" cy="0"/>
+          </a:xfrm>
+          <a:prstGeom prst="straightConnector1">
+            <a:avLst/>
+          </a:prstGeom>
+          <a:ln w="19050">
+            <a:solidFill>
+              <a:schemeClr val="tx1"/>
+            </a:solidFill>
+            <a:tailEnd type="triangle"/>
+          </a:ln>
+        </p:spPr>
+        <p:style>
+          <a:lnRef idx="1">
+            <a:schemeClr val="accent1"/>
+          </a:lnRef>
+          <a:fillRef idx="0">
+            <a:schemeClr val="accent1"/>
+          </a:fillRef>
+          <a:effectRef idx="0">
+            <a:schemeClr val="accent1"/>
+          </a:effectRef>
+          <a:fontRef idx="minor">
+            <a:schemeClr val="tx1"/>
+          </a:fontRef>
+        </p:style>
+      </p:cxnSp>
+      <p:cxnSp>
+        <p:nvCxnSpPr>
+          <p:cNvPr id="44" name="直接箭头连接符 43"/>
+          <p:cNvCxnSpPr>
+            <a:cxnSpLocks/>
+          </p:cNvCxnSpPr>
+          <p:nvPr/>
+        </p:nvCxnSpPr>
+        <p:spPr>
+          <a:xfrm>
+            <a:off x="5621237" y="6342987"/>
+            <a:ext cx="270616" cy="0"/>
+          </a:xfrm>
+          <a:prstGeom prst="straightConnector1">
+            <a:avLst/>
+          </a:prstGeom>
+          <a:ln w="19050">
+            <a:solidFill>
+              <a:schemeClr val="tx1"/>
+            </a:solidFill>
+            <a:tailEnd type="triangle"/>
+          </a:ln>
+        </p:spPr>
+        <p:style>
+          <a:lnRef idx="1">
+            <a:schemeClr val="accent1"/>
+          </a:lnRef>
+          <a:fillRef idx="0">
+            <a:schemeClr val="accent1"/>
+          </a:fillRef>
+          <a:effectRef idx="0">
+            <a:schemeClr val="accent1"/>
+          </a:effectRef>
+          <a:fontRef idx="minor">
+            <a:schemeClr val="tx1"/>
+          </a:fontRef>
+        </p:style>
+      </p:cxnSp>
+      <p:cxnSp>
+        <p:nvCxnSpPr>
+          <p:cNvPr id="45" name="直接箭头连接符 44"/>
+          <p:cNvCxnSpPr>
+            <a:cxnSpLocks/>
+          </p:cNvCxnSpPr>
+          <p:nvPr/>
+        </p:nvCxnSpPr>
+        <p:spPr>
+          <a:xfrm>
+            <a:off x="6335219" y="6342987"/>
+            <a:ext cx="160199" cy="0"/>
+          </a:xfrm>
+          <a:prstGeom prst="straightConnector1">
+            <a:avLst/>
+          </a:prstGeom>
+          <a:ln w="19050">
+            <a:solidFill>
+              <a:schemeClr val="tx1"/>
+            </a:solidFill>
+            <a:tailEnd type="triangle"/>
+          </a:ln>
+        </p:spPr>
+        <p:style>
+          <a:lnRef idx="1">
+            <a:schemeClr val="accent1"/>
+          </a:lnRef>
+          <a:fillRef idx="0">
+            <a:schemeClr val="accent1"/>
+          </a:fillRef>
+          <a:effectRef idx="0">
+            <a:schemeClr val="accent1"/>
+          </a:effectRef>
+          <a:fontRef idx="minor">
+            <a:schemeClr val="tx1"/>
+          </a:fontRef>
+        </p:style>
+      </p:cxnSp>
+      <p:cxnSp>
+        <p:nvCxnSpPr>
+          <p:cNvPr id="46" name="直接箭头连接符 45"/>
+          <p:cNvCxnSpPr>
+            <a:cxnSpLocks/>
+          </p:cNvCxnSpPr>
+          <p:nvPr/>
+        </p:nvCxnSpPr>
+        <p:spPr>
+          <a:xfrm>
+            <a:off x="6638406" y="6342987"/>
+            <a:ext cx="160199" cy="0"/>
+          </a:xfrm>
+          <a:prstGeom prst="straightConnector1">
+            <a:avLst/>
+          </a:prstGeom>
+          <a:ln w="19050">
+            <a:solidFill>
+              <a:schemeClr val="tx1"/>
+            </a:solidFill>
+            <a:tailEnd type="triangle"/>
+          </a:ln>
+        </p:spPr>
+        <p:style>
+          <a:lnRef idx="1">
+            <a:schemeClr val="accent1"/>
+          </a:lnRef>
+          <a:fillRef idx="0">
+            <a:schemeClr val="accent1"/>
+          </a:fillRef>
+          <a:effectRef idx="0">
+            <a:schemeClr val="accent1"/>
+          </a:effectRef>
+          <a:fontRef idx="minor">
+            <a:schemeClr val="tx1"/>
+          </a:fontRef>
+        </p:style>
+      </p:cxnSp>
+      <p:sp>
+        <p:nvSpPr>
+          <p:cNvPr id="47" name="文本框 46"/>
+          <p:cNvSpPr txBox="1"/>
+          <p:nvPr/>
+        </p:nvSpPr>
+        <p:spPr>
+          <a:xfrm>
+            <a:off x="6469293" y="5351202"/>
+            <a:ext cx="45719" cy="369332"/>
+          </a:xfrm>
+          <a:prstGeom prst="rect">
+            <a:avLst/>
+          </a:prstGeom>
+          <a:noFill/>
+        </p:spPr>
+        <p:txBody>
+          <a:bodyPr wrap="square" rtlCol="0">
+            <a:spAutoFit/>
+          </a:bodyPr>
+          <a:lstStyle/>
+          <a:p>
+            <a:r>
+              <a:rPr lang="en-US" altLang="zh-CN" dirty="0"/>
+              <a:t>…</a:t>
+            </a:r>
+            <a:endParaRPr lang="zh-CN" altLang="en-US" dirty="0"/>
+          </a:p>
+        </p:txBody>
+      </p:sp>
+      <p:sp>
+        <p:nvSpPr>
+          <p:cNvPr id="48" name="文本框 47"/>
+          <p:cNvSpPr txBox="1"/>
+          <p:nvPr/>
+        </p:nvSpPr>
+        <p:spPr>
+          <a:xfrm>
+            <a:off x="6492152" y="6033310"/>
+            <a:ext cx="45719" cy="369332"/>
+          </a:xfrm>
+          <a:prstGeom prst="rect">
+            <a:avLst/>
+          </a:prstGeom>
+          <a:noFill/>
+        </p:spPr>
+        <p:txBody>
+          <a:bodyPr wrap="square" rtlCol="0">
+            <a:spAutoFit/>
+          </a:bodyPr>
+          <a:lstStyle/>
+          <a:p>
+            <a:r>
+              <a:rPr lang="en-US" altLang="zh-CN" dirty="0"/>
+              <a:t>…</a:t>
+            </a:r>
+            <a:endParaRPr lang="zh-CN" altLang="en-US" dirty="0"/>
+          </a:p>
+        </p:txBody>
+      </p:sp>
+      <p:cxnSp>
+        <p:nvCxnSpPr>
+          <p:cNvPr id="49" name="直接箭头连接符 48"/>
+          <p:cNvCxnSpPr>
+            <a:cxnSpLocks/>
+          </p:cNvCxnSpPr>
+          <p:nvPr/>
+        </p:nvCxnSpPr>
+        <p:spPr>
+          <a:xfrm flipV="1">
+            <a:off x="4970456" y="5931715"/>
+            <a:ext cx="192892" cy="200180"/>
+          </a:xfrm>
+          <a:prstGeom prst="straightConnector1">
+            <a:avLst/>
+          </a:prstGeom>
+          <a:ln w="19050">
+            <a:solidFill>
+              <a:schemeClr val="tx1"/>
+            </a:solidFill>
+            <a:tailEnd type="triangle"/>
+          </a:ln>
+        </p:spPr>
+        <p:style>
+          <a:lnRef idx="1">
+            <a:schemeClr val="accent1"/>
+          </a:lnRef>
+          <a:fillRef idx="0">
+            <a:schemeClr val="accent1"/>
+          </a:fillRef>
+          <a:effectRef idx="0">
+            <a:schemeClr val="accent1"/>
+          </a:effectRef>
+          <a:fontRef idx="minor">
+            <a:schemeClr val="tx1"/>
+          </a:fontRef>
+        </p:style>
+      </p:cxnSp>
+      <p:cxnSp>
+        <p:nvCxnSpPr>
+          <p:cNvPr id="50" name="直接箭头连接符 49"/>
+          <p:cNvCxnSpPr>
+            <a:cxnSpLocks/>
+          </p:cNvCxnSpPr>
+          <p:nvPr/>
+        </p:nvCxnSpPr>
+        <p:spPr>
+          <a:xfrm flipV="1">
+            <a:off x="5698961" y="5931715"/>
+            <a:ext cx="192892" cy="200180"/>
+          </a:xfrm>
+          <a:prstGeom prst="straightConnector1">
+            <a:avLst/>
+          </a:prstGeom>
+          <a:ln w="19050">
+            <a:solidFill>
+              <a:schemeClr val="tx1"/>
+            </a:solidFill>
+            <a:tailEnd type="triangle"/>
+          </a:ln>
+        </p:spPr>
+        <p:style>
+          <a:lnRef idx="1">
+            <a:schemeClr val="accent1"/>
+          </a:lnRef>
+          <a:fillRef idx="0">
+            <a:schemeClr val="accent1"/>
+          </a:fillRef>
+          <a:effectRef idx="0">
+            <a:schemeClr val="accent1"/>
+          </a:effectRef>
+          <a:fontRef idx="minor">
+            <a:schemeClr val="tx1"/>
+          </a:fontRef>
+        </p:style>
+      </p:cxnSp>
+      <p:cxnSp>
+        <p:nvCxnSpPr>
+          <p:cNvPr id="51" name="直接箭头连接符 50"/>
+          <p:cNvCxnSpPr>
+            <a:cxnSpLocks/>
+          </p:cNvCxnSpPr>
+          <p:nvPr/>
+        </p:nvCxnSpPr>
+        <p:spPr>
+          <a:xfrm flipV="1">
+            <a:off x="6434396" y="5920955"/>
+            <a:ext cx="192892" cy="200180"/>
+          </a:xfrm>
+          <a:prstGeom prst="straightConnector1">
+            <a:avLst/>
+          </a:prstGeom>
+          <a:ln w="19050">
+            <a:solidFill>
+              <a:schemeClr val="tx1"/>
+            </a:solidFill>
+            <a:tailEnd type="triangle"/>
+          </a:ln>
+        </p:spPr>
+        <p:style>
+          <a:lnRef idx="1">
+            <a:schemeClr val="accent1"/>
+          </a:lnRef>
+          <a:fillRef idx="0">
+            <a:schemeClr val="accent1"/>
+          </a:fillRef>
+          <a:effectRef idx="0">
+            <a:schemeClr val="accent1"/>
+          </a:effectRef>
+          <a:fontRef idx="minor">
+            <a:schemeClr val="tx1"/>
+          </a:fontRef>
+        </p:style>
+      </p:cxnSp>
+      <p:sp>
+        <p:nvSpPr>
+          <p:cNvPr id="52" name="文本框 51"/>
+          <p:cNvSpPr txBox="1"/>
+          <p:nvPr/>
+        </p:nvSpPr>
+        <p:spPr>
+          <a:xfrm>
+            <a:off x="7217954" y="5539300"/>
+            <a:ext cx="461665" cy="784830"/>
+          </a:xfrm>
+          <a:prstGeom prst="rect">
+            <a:avLst/>
+          </a:prstGeom>
+          <a:noFill/>
+        </p:spPr>
+        <p:txBody>
+          <a:bodyPr vert="eaVert" wrap="square" rtlCol="0">
+            <a:spAutoFit/>
+          </a:bodyPr>
+          <a:lstStyle/>
+          <a:p>
+            <a:r>
+              <a:rPr lang="zh-CN" altLang="en-US" dirty="0"/>
+              <a:t>解码器</a:t>
+            </a:r>
+          </a:p>
+        </p:txBody>
+      </p:sp>
+      <p:pic>
+        <p:nvPicPr>
+          <p:cNvPr id="57" name="图片 56"/>
+          <p:cNvPicPr>
+            <a:picLocks noChangeAspect="1"/>
+          </p:cNvPicPr>
+          <p:nvPr/>
+        </p:nvPicPr>
+        <p:blipFill>
+          <a:blip r:embed="rId3"/>
+          <a:stretch>
+            <a:fillRect/>
+          </a:stretch>
+        </p:blipFill>
+        <p:spPr>
+          <a:xfrm>
+            <a:off x="4259966" y="189156"/>
+            <a:ext cx="8582025" cy="3124200"/>
+          </a:xfrm>
+          <a:prstGeom prst="rect">
+            <a:avLst/>
+          </a:prstGeom>
+        </p:spPr>
+      </p:pic>
+      <p:cxnSp>
+        <p:nvCxnSpPr>
+          <p:cNvPr id="68" name="连接符: 曲线 67"/>
+          <p:cNvCxnSpPr>
+            <a:cxnSpLocks/>
+            <a:stCxn id="24" idx="2"/>
+            <a:endCxn id="27" idx="0"/>
+          </p:cNvCxnSpPr>
+          <p:nvPr/>
+        </p:nvCxnSpPr>
+        <p:spPr>
+          <a:xfrm rot="16200000" flipH="1">
+            <a:off x="4590176" y="5336587"/>
+            <a:ext cx="307198" cy="957"/>
+          </a:xfrm>
+          <a:prstGeom prst="curvedConnector3">
+            <a:avLst/>
+          </a:prstGeom>
+          <a:ln w="12700">
+            <a:solidFill>
+              <a:schemeClr val="tx1"/>
+            </a:solidFill>
+            <a:tailEnd type="triangle"/>
+          </a:ln>
+        </p:spPr>
+        <p:style>
+          <a:lnRef idx="1">
+            <a:schemeClr val="accent1"/>
+          </a:lnRef>
+          <a:fillRef idx="0">
+            <a:schemeClr val="accent1"/>
+          </a:fillRef>
+          <a:effectRef idx="0">
+            <a:schemeClr val="accent1"/>
+          </a:effectRef>
+          <a:fontRef idx="minor">
+            <a:schemeClr val="tx1"/>
+          </a:fontRef>
+        </p:style>
+      </p:cxnSp>
+    </p:spTree>
+    <p:extLst>
+      <p:ext uri="{BB962C8B-B14F-4D97-AF65-F5344CB8AC3E}">
+        <p14:creationId xmlns:p14="http://schemas.microsoft.com/office/powerpoint/2010/main" val="2632494998"/>
+      </p:ext>
+    </p:extLst>
+  </p:cSld>
+  <p:clrMapOvr>
+    <a:masterClrMapping/>
+  </p:clrMapOvr>
+</p:sld>
+</file>
+
+<file path=ppt/slides/slide4.xml><?xml version="1.0" encoding="utf-8"?>
+<p:sld xmlns:a="http://schemas.openxmlformats.org/drawingml/2006/main" xmlns:r="http://schemas.openxmlformats.org/officeDocument/2006/relationships" xmlns:p="http://schemas.openxmlformats.org/presentationml/2006/main">
+  <p:cSld>
+    <p:spTree>
+      <p:nvGrpSpPr>
+        <p:cNvPr id="1" name=""/>
+        <p:cNvGrpSpPr/>
+        <p:nvPr/>
+      </p:nvGrpSpPr>
+      <p:grpSpPr>
+        <a:xfrm>
+          <a:off x="0" y="0"/>
+          <a:ext cx="0" cy="0"/>
+          <a:chOff x="0" y="0"/>
+          <a:chExt cx="0" cy="0"/>
+        </a:xfrm>
+      </p:grpSpPr>
+      <p:pic>
+        <p:nvPicPr>
+          <p:cNvPr id="4" name="图片 3"/>
+          <p:cNvPicPr/>
+          <p:nvPr/>
+        </p:nvPicPr>
+        <p:blipFill>
+          <a:blip r:embed="rId2">
+            <a:extLst>
+              <a:ext uri="{28A0092B-C50C-407E-A947-70E740481C1C}">
+                <a14:useLocalDpi xmlns:a14="http://schemas.microsoft.com/office/drawing/2010/main" val="0"/>
+              </a:ext>
+            </a:extLst>
+          </a:blip>
+          <a:stretch>
+            <a:fillRect/>
+          </a:stretch>
+        </p:blipFill>
+        <p:spPr>
+          <a:xfrm>
+            <a:off x="1521031" y="566981"/>
+            <a:ext cx="1994535" cy="2172970"/>
+          </a:xfrm>
+          <a:prstGeom prst="rect">
+            <a:avLst/>
+          </a:prstGeom>
+        </p:spPr>
+      </p:pic>
+    </p:spTree>
+    <p:extLst>
+      <p:ext uri="{BB962C8B-B14F-4D97-AF65-F5344CB8AC3E}">
+        <p14:creationId xmlns:p14="http://schemas.microsoft.com/office/powerpoint/2010/main" val="1895837544"/>
       </p:ext>
     </p:extLst>
   </p:cSld>
